--- a/TED TALKS  TEEN Tobacco  Nicotine Usage Trends FINAL.pptx
+++ b/TED TALKS  TEEN Tobacco  Nicotine Usage Trends FINAL.pptx
@@ -12,8 +12,8 @@
     <p:sldId id="257" r:id="rId3"/>
     <p:sldId id="273" r:id="rId4"/>
     <p:sldId id="258" r:id="rId5"/>
-    <p:sldId id="260" r:id="rId6"/>
-    <p:sldId id="261" r:id="rId7"/>
+    <p:sldId id="280" r:id="rId6"/>
+    <p:sldId id="281" r:id="rId7"/>
     <p:sldId id="262" r:id="rId8"/>
     <p:sldId id="265" r:id="rId9"/>
     <p:sldId id="277" r:id="rId10"/>
@@ -1580,21 +1580,10 @@
           <a:bodyPr/>
           <a:lstStyle/>
           <a:p>
-            <a:pPr lvl="1"/>
             <a:r>
               <a:rPr lang="en-US" dirty="0"/>
-              <a:t>The heat maps demonstrate the distribution of reporting regarding E-Cigarette usage among the states. When comparing the two heat maps it does show that more E-cigarette usage seems to be in the northeastern region. </a:t>
-            </a:r>
-          </a:p>
-          <a:p>
-            <a:pPr lvl="1"/>
-            <a:r>
-              <a:rPr lang="en-US" dirty="0"/>
-              <a:t>It also demonstrates the amount of missing data from the lack of survey respondents during these two years. </a:t>
-            </a:r>
-          </a:p>
-          <a:p>
-            <a:endParaRPr lang="en-US" dirty="0"/>
+              <a:t>One of the first graphics we created were heat maps, so we could visualize the distribution of the respondents across the US.  The first steps in cleansing the data came when we had to define what area’s to represent.  The survey included, US territories; Guam, Puerto Rico as Washington DC.  We decided to remove the territories but kept DC. </a:t>
+            </a:r>
           </a:p>
         </p:txBody>
       </p:sp>
@@ -1624,7 +1613,7 @@
     </p:spTree>
     <p:extLst>
       <p:ext uri="{BB962C8B-B14F-4D97-AF65-F5344CB8AC3E}">
-        <p14:creationId xmlns:p14="http://schemas.microsoft.com/office/powerpoint/2010/main" val="2492610707"/>
+        <p14:creationId xmlns:p14="http://schemas.microsoft.com/office/powerpoint/2010/main" val="1594611482"/>
       </p:ext>
     </p:extLst>
   </p:cSld>
@@ -9157,30 +9146,102 @@
         </p:nvSpPr>
         <p:spPr/>
         <p:txBody>
+          <a:bodyPr>
+            <a:normAutofit/>
+          </a:bodyPr>
+          <a:lstStyle/>
+          <a:p>
+            <a:pPr algn="ctr"/>
+            <a:r>
+              <a:rPr lang="en-US" b="1" dirty="0">
+                <a:solidFill>
+                  <a:schemeClr val="tx1"/>
+                </a:solidFill>
+              </a:rPr>
+              <a:t>HEAT MAPS: </a:t>
+            </a:r>
+            <a:br>
+              <a:rPr lang="en-US" b="1" dirty="0">
+                <a:solidFill>
+                  <a:schemeClr val="tx1"/>
+                </a:solidFill>
+              </a:rPr>
+            </a:br>
+            <a:r>
+              <a:rPr lang="en-US" b="1" dirty="0">
+                <a:solidFill>
+                  <a:schemeClr val="tx1"/>
+                </a:solidFill>
+              </a:rPr>
+              <a:t>2015 vs. 2017 E-Cigarette Use</a:t>
+            </a:r>
+          </a:p>
+        </p:txBody>
+      </p:sp>
+      <p:sp>
+        <p:nvSpPr>
+          <p:cNvPr id="5" name="Text Placeholder 4"/>
+          <p:cNvSpPr>
+            <a:spLocks noGrp="1"/>
+          </p:cNvSpPr>
+          <p:nvPr>
+            <p:ph type="body" idx="1"/>
+          </p:nvPr>
+        </p:nvSpPr>
+        <p:spPr/>
+        <p:txBody>
           <a:bodyPr/>
           <a:lstStyle/>
           <a:p>
-            <a:r>
-              <a:rPr lang="en-US" dirty="0"/>
-              <a:t>HEAT MAP: 2015 E-Cigarette Use</a:t>
-            </a:r>
-          </a:p>
-        </p:txBody>
-      </p:sp>
-      <p:sp>
-        <p:nvSpPr>
-          <p:cNvPr id="3" name="Content Placeholder 2">
+            <a:pPr algn="ctr"/>
+            <a:r>
+              <a:rPr lang="en-US" b="1" u="sng" dirty="0">
+                <a:solidFill>
+                  <a:schemeClr val="tx1"/>
+                </a:solidFill>
+              </a:rPr>
+              <a:t>Lower 48 - 2015</a:t>
+            </a:r>
+          </a:p>
+        </p:txBody>
+      </p:sp>
+      <p:pic>
+        <p:nvPicPr>
+          <p:cNvPr id="9" name="Content Placeholder 8"/>
+          <p:cNvPicPr>
+            <a:picLocks noGrp="1" noChangeAspect="1"/>
+          </p:cNvPicPr>
+          <p:nvPr>
+            <p:ph sz="half" idx="2"/>
+          </p:nvPr>
+        </p:nvPicPr>
+        <p:blipFill>
+          <a:blip r:embed="rId3">
             <a:extLst>
-              <a:ext uri="{FF2B5EF4-FFF2-40B4-BE49-F238E27FC236}">
-                <a16:creationId xmlns:a16="http://schemas.microsoft.com/office/drawing/2014/main" id="{9096E6F6-4B2C-47D7-AF28-880F37BA289E}"/>
+              <a:ext uri="{28A0092B-C50C-407E-A947-70E740481C1C}">
+                <a14:useLocalDpi xmlns:a14="http://schemas.microsoft.com/office/drawing/2010/main" val="0"/>
               </a:ext>
             </a:extLst>
-          </p:cNvPr>
-          <p:cNvSpPr>
-            <a:spLocks noGrp="1"/>
-          </p:cNvSpPr>
-          <p:nvPr>
-            <p:ph idx="1"/>
+          </a:blip>
+          <a:stretch>
+            <a:fillRect/>
+          </a:stretch>
+        </p:blipFill>
+        <p:spPr>
+          <a:xfrm>
+            <a:off x="1096963" y="2964875"/>
+            <a:ext cx="4938712" cy="2614175"/>
+          </a:xfrm>
+        </p:spPr>
+      </p:pic>
+      <p:sp>
+        <p:nvSpPr>
+          <p:cNvPr id="7" name="Text Placeholder 6"/>
+          <p:cNvSpPr>
+            <a:spLocks noGrp="1"/>
+          </p:cNvSpPr>
+          <p:nvPr>
+            <p:ph type="body" sz="quarter" idx="3"/>
           </p:nvPr>
         </p:nvSpPr>
         <p:spPr/>
@@ -9188,14 +9249,51 @@
           <a:bodyPr/>
           <a:lstStyle/>
           <a:p>
-            <a:endParaRPr lang="en-US"/>
-          </a:p>
-        </p:txBody>
-      </p:sp>
+            <a:pPr algn="ctr"/>
+            <a:r>
+              <a:rPr lang="en-US" b="1" u="sng" dirty="0">
+                <a:solidFill>
+                  <a:schemeClr val="tx1"/>
+                </a:solidFill>
+              </a:rPr>
+              <a:t>Lower 48 - 2017</a:t>
+            </a:r>
+          </a:p>
+        </p:txBody>
+      </p:sp>
+      <p:pic>
+        <p:nvPicPr>
+          <p:cNvPr id="10" name="Content Placeholder 9"/>
+          <p:cNvPicPr>
+            <a:picLocks noGrp="1" noChangeAspect="1"/>
+          </p:cNvPicPr>
+          <p:nvPr>
+            <p:ph sz="quarter" idx="4"/>
+          </p:nvPr>
+        </p:nvPicPr>
+        <p:blipFill>
+          <a:blip r:embed="rId4">
+            <a:extLst>
+              <a:ext uri="{28A0092B-C50C-407E-A947-70E740481C1C}">
+                <a14:useLocalDpi xmlns:a14="http://schemas.microsoft.com/office/drawing/2010/main" val="0"/>
+              </a:ext>
+            </a:extLst>
+          </a:blip>
+          <a:stretch>
+            <a:fillRect/>
+          </a:stretch>
+        </p:blipFill>
+        <p:spPr>
+          <a:xfrm>
+            <a:off x="6218238" y="2982250"/>
+            <a:ext cx="4937125" cy="2579426"/>
+          </a:xfrm>
+        </p:spPr>
+      </p:pic>
     </p:spTree>
     <p:extLst>
       <p:ext uri="{BB962C8B-B14F-4D97-AF65-F5344CB8AC3E}">
-        <p14:creationId xmlns:p14="http://schemas.microsoft.com/office/powerpoint/2010/main" val="3502997152"/>
+        <p14:creationId xmlns:p14="http://schemas.microsoft.com/office/powerpoint/2010/main" val="1564937298"/>
       </p:ext>
     </p:extLst>
   </p:cSld>
@@ -9227,7 +9325,7 @@
           <p:cNvPr id="2" name="Title 1">
             <a:extLst>
               <a:ext uri="{FF2B5EF4-FFF2-40B4-BE49-F238E27FC236}">
-                <a16:creationId xmlns:a16="http://schemas.microsoft.com/office/drawing/2014/main" id="{FE7A999F-459A-4176-8B1F-5BA8C0CCC875}"/>
+                <a16:creationId xmlns:a16="http://schemas.microsoft.com/office/drawing/2014/main" id="{84969201-E9A6-4084-8C8B-78487B0FBE2E}"/>
               </a:ext>
             </a:extLst>
           </p:cNvPr>
@@ -9238,47 +9336,223 @@
             <p:ph type="title"/>
           </p:nvPr>
         </p:nvSpPr>
+        <p:spPr>
+          <a:xfrm>
+            <a:off x="902208" y="280419"/>
+            <a:ext cx="10058400" cy="1450757"/>
+          </a:xfrm>
+        </p:spPr>
+        <p:txBody>
+          <a:bodyPr>
+            <a:normAutofit/>
+          </a:bodyPr>
+          <a:lstStyle/>
+          <a:p>
+            <a:pPr algn="ctr"/>
+            <a:r>
+              <a:rPr lang="en-US" b="1" dirty="0">
+                <a:solidFill>
+                  <a:schemeClr val="tx1"/>
+                </a:solidFill>
+              </a:rPr>
+              <a:t>HEAT MAPS: </a:t>
+            </a:r>
+            <a:br>
+              <a:rPr lang="en-US" b="1" dirty="0">
+                <a:solidFill>
+                  <a:schemeClr val="tx1"/>
+                </a:solidFill>
+              </a:rPr>
+            </a:br>
+            <a:r>
+              <a:rPr lang="en-US" b="1" dirty="0">
+                <a:solidFill>
+                  <a:schemeClr val="tx1"/>
+                </a:solidFill>
+              </a:rPr>
+              <a:t>2015 vs. 2017 E-Cigarette Use</a:t>
+            </a:r>
+          </a:p>
+        </p:txBody>
+      </p:sp>
+      <p:sp>
+        <p:nvSpPr>
+          <p:cNvPr id="5" name="Text Placeholder 4"/>
+          <p:cNvSpPr>
+            <a:spLocks noGrp="1"/>
+          </p:cNvSpPr>
+          <p:nvPr>
+            <p:ph type="body" idx="1"/>
+          </p:nvPr>
+        </p:nvSpPr>
         <p:spPr/>
         <p:txBody>
           <a:bodyPr/>
           <a:lstStyle/>
           <a:p>
-            <a:r>
-              <a:rPr lang="en-US" dirty="0"/>
-              <a:t>HEAT MAP:  2017 E-Cigarette Usage</a:t>
-            </a:r>
-          </a:p>
-        </p:txBody>
-      </p:sp>
-      <p:sp>
-        <p:nvSpPr>
-          <p:cNvPr id="3" name="Content Placeholder 2">
+            <a:pPr algn="ctr"/>
+            <a:r>
+              <a:rPr lang="en-US" b="1" u="sng" dirty="0">
+                <a:solidFill>
+                  <a:schemeClr val="tx1"/>
+                </a:solidFill>
+              </a:rPr>
+              <a:t>Alaska &amp; Hawaii</a:t>
+            </a:r>
+          </a:p>
+        </p:txBody>
+      </p:sp>
+      <p:sp>
+        <p:nvSpPr>
+          <p:cNvPr id="7" name="Text Placeholder 6"/>
+          <p:cNvSpPr>
+            <a:spLocks noGrp="1"/>
+          </p:cNvSpPr>
+          <p:nvPr>
+            <p:ph type="body" sz="quarter" idx="3"/>
+          </p:nvPr>
+        </p:nvSpPr>
+        <p:spPr/>
+        <p:txBody>
+          <a:bodyPr/>
+          <a:lstStyle/>
+          <a:p>
+            <a:pPr algn="ctr"/>
+            <a:r>
+              <a:rPr lang="en-US" b="1" u="sng" dirty="0">
+                <a:solidFill>
+                  <a:schemeClr val="tx1"/>
+                </a:solidFill>
+              </a:rPr>
+              <a:t>Alaska &amp; Hawaii</a:t>
+            </a:r>
+          </a:p>
+        </p:txBody>
+      </p:sp>
+      <p:pic>
+        <p:nvPicPr>
+          <p:cNvPr id="11" name="Picture 10"/>
+          <p:cNvPicPr>
+            <a:picLocks noChangeAspect="1"/>
+          </p:cNvPicPr>
+          <p:nvPr/>
+        </p:nvPicPr>
+        <p:blipFill>
+          <a:blip r:embed="rId3">
             <a:extLst>
-              <a:ext uri="{FF2B5EF4-FFF2-40B4-BE49-F238E27FC236}">
-                <a16:creationId xmlns:a16="http://schemas.microsoft.com/office/drawing/2014/main" id="{6B154451-920D-4FB2-B119-787CD7D408E3}"/>
+              <a:ext uri="{28A0092B-C50C-407E-A947-70E740481C1C}">
+                <a14:useLocalDpi xmlns:a14="http://schemas.microsoft.com/office/drawing/2010/main" val="0"/>
               </a:ext>
             </a:extLst>
-          </p:cNvPr>
-          <p:cNvSpPr>
-            <a:spLocks noGrp="1"/>
-          </p:cNvSpPr>
-          <p:nvPr>
-            <p:ph idx="1"/>
-          </p:nvPr>
-        </p:nvSpPr>
-        <p:spPr/>
-        <p:txBody>
-          <a:bodyPr/>
-          <a:lstStyle/>
-          <a:p>
-            <a:endParaRPr lang="en-US"/>
-          </a:p>
-        </p:txBody>
-      </p:sp>
+          </a:blip>
+          <a:stretch>
+            <a:fillRect/>
+          </a:stretch>
+        </p:blipFill>
+        <p:spPr>
+          <a:xfrm>
+            <a:off x="622074" y="2870461"/>
+            <a:ext cx="2054646" cy="2981741"/>
+          </a:xfrm>
+          <a:prstGeom prst="rect">
+            <a:avLst/>
+          </a:prstGeom>
+        </p:spPr>
+      </p:pic>
+      <p:pic>
+        <p:nvPicPr>
+          <p:cNvPr id="12" name="Picture 11"/>
+          <p:cNvPicPr>
+            <a:picLocks noChangeAspect="1"/>
+          </p:cNvPicPr>
+          <p:nvPr/>
+        </p:nvPicPr>
+        <p:blipFill>
+          <a:blip r:embed="rId4">
+            <a:extLst>
+              <a:ext uri="{28A0092B-C50C-407E-A947-70E740481C1C}">
+                <a14:useLocalDpi xmlns:a14="http://schemas.microsoft.com/office/drawing/2010/main" val="0"/>
+              </a:ext>
+            </a:extLst>
+          </a:blip>
+          <a:stretch>
+            <a:fillRect/>
+          </a:stretch>
+        </p:blipFill>
+        <p:spPr>
+          <a:xfrm>
+            <a:off x="2711621" y="2870461"/>
+            <a:ext cx="3134162" cy="2981741"/>
+          </a:xfrm>
+          <a:prstGeom prst="rect">
+            <a:avLst/>
+          </a:prstGeom>
+        </p:spPr>
+      </p:pic>
+      <p:pic>
+        <p:nvPicPr>
+          <p:cNvPr id="15" name="Picture 14"/>
+          <p:cNvPicPr>
+            <a:picLocks noChangeAspect="1"/>
+          </p:cNvPicPr>
+          <p:nvPr/>
+        </p:nvPicPr>
+        <p:blipFill>
+          <a:blip r:embed="rId5">
+            <a:extLst>
+              <a:ext uri="{28A0092B-C50C-407E-A947-70E740481C1C}">
+                <a14:useLocalDpi xmlns:a14="http://schemas.microsoft.com/office/drawing/2010/main" val="0"/>
+              </a:ext>
+            </a:extLst>
+          </a:blip>
+          <a:stretch>
+            <a:fillRect/>
+          </a:stretch>
+        </p:blipFill>
+        <p:spPr>
+          <a:xfrm>
+            <a:off x="6339299" y="2870461"/>
+            <a:ext cx="2626418" cy="2977151"/>
+          </a:xfrm>
+          <a:prstGeom prst="rect">
+            <a:avLst/>
+          </a:prstGeom>
+        </p:spPr>
+      </p:pic>
+      <p:pic>
+        <p:nvPicPr>
+          <p:cNvPr id="16" name="Picture 15"/>
+          <p:cNvPicPr>
+            <a:picLocks noChangeAspect="1"/>
+          </p:cNvPicPr>
+          <p:nvPr/>
+        </p:nvPicPr>
+        <p:blipFill>
+          <a:blip r:embed="rId6">
+            <a:extLst>
+              <a:ext uri="{28A0092B-C50C-407E-A947-70E740481C1C}">
+                <a14:useLocalDpi xmlns:a14="http://schemas.microsoft.com/office/drawing/2010/main" val="0"/>
+              </a:ext>
+            </a:extLst>
+          </a:blip>
+          <a:stretch>
+            <a:fillRect/>
+          </a:stretch>
+        </p:blipFill>
+        <p:spPr>
+          <a:xfrm>
+            <a:off x="9001001" y="2870461"/>
+            <a:ext cx="2914380" cy="2977151"/>
+          </a:xfrm>
+          <a:prstGeom prst="rect">
+            <a:avLst/>
+          </a:prstGeom>
+        </p:spPr>
+      </p:pic>
     </p:spTree>
     <p:extLst>
       <p:ext uri="{BB962C8B-B14F-4D97-AF65-F5344CB8AC3E}">
-        <p14:creationId xmlns:p14="http://schemas.microsoft.com/office/powerpoint/2010/main" val="850483564"/>
+        <p14:creationId xmlns:p14="http://schemas.microsoft.com/office/powerpoint/2010/main" val="284699715"/>
       </p:ext>
     </p:extLst>
   </p:cSld>

--- a/TED TALKS  TEEN Tobacco  Nicotine Usage Trends FINAL.pptx
+++ b/TED TALKS  TEEN Tobacco  Nicotine Usage Trends FINAL.pptx
@@ -5747,7 +5747,7 @@
           <a:p>
             <a:r>
               <a:rPr lang="en-US" dirty="0"/>
-              <a:t>Boxplot for Comparting Variance in Ethnicity</a:t>
+              <a:t>Boxplot for Comparing Variance in Ethnicity</a:t>
             </a:r>
           </a:p>
         </p:txBody>
@@ -8909,7 +8909,7 @@
             </a:pPr>
             <a:r>
               <a:rPr lang="en-US" sz="2800" dirty="0"/>
-              <a:t>Is there a significant increase in teen e-cigarette usage?</a:t>
+              <a:t>Is there a significant change in teen e-cigarette usage?</a:t>
             </a:r>
           </a:p>
           <a:p>
@@ -8929,7 +8929,7 @@
             </a:pPr>
             <a:r>
               <a:rPr lang="en-US" sz="2800" dirty="0"/>
-              <a:t>Are their any differences in gender and ethnicity in the percentage of E-cigarette  users?</a:t>
+              <a:t>Are their differences in gender and ethnicity in the percentage of E-cigarette  users?</a:t>
             </a:r>
           </a:p>
         </p:txBody>
